--- a/6TH SEMESTER/Business Process Engineering/Lectures/WEEK 13.pptx
+++ b/6TH SEMESTER/Business Process Engineering/Lectures/WEEK 13.pptx
@@ -4372,7 +4372,12 @@
             <p:ph type="title"/>
           </p:nvPr>
         </p:nvSpPr>
-        <p:spPr/>
+        <p:spPr>
+          <a:xfrm>
+            <a:off x="321945" y="309219"/>
+            <a:ext cx="10058400" cy="1371600"/>
+          </a:xfrm>
+        </p:spPr>
         <p:txBody>
           <a:bodyPr/>
           <a:lstStyle/>
@@ -4403,7 +4408,7 @@
         </p:blipFill>
         <p:spPr>
           <a:xfrm>
-            <a:off x="4235271" y="2194054"/>
+            <a:off x="3518356" y="1747649"/>
             <a:ext cx="7082495" cy="3932237"/>
           </a:xfrm>
           <a:prstGeom prst="rect">
@@ -4419,7 +4424,7 @@
         </p:nvSpPr>
         <p:spPr>
           <a:xfrm>
-            <a:off x="988541" y="2194054"/>
+            <a:off x="321791" y="2098804"/>
             <a:ext cx="3138616" cy="1477328"/>
           </a:xfrm>
           <a:prstGeom prst="rect">
@@ -6622,10 +6627,15 @@
             <p:ph type="title"/>
           </p:nvPr>
         </p:nvSpPr>
-        <p:spPr/>
+        <p:spPr>
+          <a:xfrm>
+            <a:off x="1138555" y="461645"/>
+            <a:ext cx="10133965" cy="1076960"/>
+          </a:xfrm>
+        </p:spPr>
         <p:txBody>
           <a:bodyPr>
-            <a:normAutofit fontScale="90000"/>
+            <a:normAutofit/>
           </a:bodyPr>
           <a:lstStyle/>
           <a:p>
@@ -6636,10 +6646,6 @@
             <a:r>
               <a:rPr lang="en-US" dirty="0"/>
               <a:t>Model Canvas consist of</a:t>
-            </a:r>
-            <a:r>
-              <a:rPr lang="en-US" dirty="0" smtClean="0"/>
-              <a:t>?</a:t>
             </a:r>
             <a:endParaRPr lang="en-US" dirty="0"/>
           </a:p>
@@ -6713,9 +6719,16 @@
             <p:ph type="title"/>
           </p:nvPr>
         </p:nvSpPr>
-        <p:spPr/>
-        <p:txBody>
-          <a:bodyPr/>
+        <p:spPr>
+          <a:xfrm>
+            <a:off x="1002030" y="283845"/>
+            <a:ext cx="10058400" cy="802005"/>
+          </a:xfrm>
+        </p:spPr>
+        <p:txBody>
+          <a:bodyPr>
+            <a:normAutofit fontScale="90000"/>
+          </a:bodyPr>
           <a:lstStyle/>
           <a:p>
             <a:r>
@@ -6738,8 +6751,8 @@
         </p:nvSpPr>
         <p:spPr>
           <a:xfrm>
-            <a:off x="1066800" y="1674752"/>
-            <a:ext cx="10058400" cy="3931920"/>
+            <a:off x="1002030" y="977265"/>
+            <a:ext cx="10058400" cy="474980"/>
           </a:xfrm>
         </p:spPr>
         <p:txBody>
@@ -6773,7 +6786,7 @@
         </p:blipFill>
         <p:spPr>
           <a:xfrm>
-            <a:off x="1501681" y="2097379"/>
+            <a:off x="1567086" y="1452219"/>
             <a:ext cx="9058275" cy="5029200"/>
           </a:xfrm>
           <a:prstGeom prst="rect">
